--- a/week02/Lab02.pptx
+++ b/week02/Lab02.pptx
@@ -213,7 +213,7 @@
           <a:p>
             <a:fld id="{D1237EF7-A117-46B7-88A8-1B7FB98FF0F2}" type="datetimeFigureOut">
               <a:rPr lang="zh-CN" altLang="en-US" smtClean="0"/>
-              <a:t>2022/9/14</a:t>
+              <a:t>2022/9/15</a:t>
             </a:fld>
             <a:endParaRPr lang="zh-CN" altLang="en-US"/>
           </a:p>
@@ -964,7 +964,7 @@
           <a:p>
             <a:fld id="{FC19A4FA-3D9A-4114-B0D5-759CBD56F1AB}" type="datetimeFigureOut">
               <a:rPr lang="zh-CN" altLang="en-US" smtClean="0"/>
-              <a:t>2022/9/14</a:t>
+              <a:t>2022/9/15</a:t>
             </a:fld>
             <a:endParaRPr lang="zh-CN" altLang="en-US"/>
           </a:p>
@@ -1158,7 +1158,7 @@
           <a:p>
             <a:fld id="{FC19A4FA-3D9A-4114-B0D5-759CBD56F1AB}" type="datetimeFigureOut">
               <a:rPr lang="zh-CN" altLang="en-US" smtClean="0"/>
-              <a:t>2022/9/14</a:t>
+              <a:t>2022/9/15</a:t>
             </a:fld>
             <a:endParaRPr lang="zh-CN" altLang="en-US"/>
           </a:p>
@@ -1331,7 +1331,7 @@
           <a:p>
             <a:fld id="{FC19A4FA-3D9A-4114-B0D5-759CBD56F1AB}" type="datetimeFigureOut">
               <a:rPr lang="zh-CN" altLang="en-US" smtClean="0"/>
-              <a:t>2022/9/14</a:t>
+              <a:t>2022/9/15</a:t>
             </a:fld>
             <a:endParaRPr lang="zh-CN" altLang="en-US"/>
           </a:p>
@@ -1515,7 +1515,7 @@
           <a:p>
             <a:fld id="{FC19A4FA-3D9A-4114-B0D5-759CBD56F1AB}" type="datetimeFigureOut">
               <a:rPr lang="zh-CN" altLang="en-US" smtClean="0"/>
-              <a:t>2022/9/14</a:t>
+              <a:t>2022/9/15</a:t>
             </a:fld>
             <a:endParaRPr lang="zh-CN" altLang="en-US"/>
           </a:p>
@@ -1772,7 +1772,7 @@
           <a:p>
             <a:fld id="{FC19A4FA-3D9A-4114-B0D5-759CBD56F1AB}" type="datetimeFigureOut">
               <a:rPr lang="zh-CN" altLang="en-US" smtClean="0"/>
-              <a:t>2022/9/14</a:t>
+              <a:t>2022/9/15</a:t>
             </a:fld>
             <a:endParaRPr lang="zh-CN" altLang="en-US"/>
           </a:p>
@@ -2159,7 +2159,7 @@
           <a:p>
             <a:fld id="{FC19A4FA-3D9A-4114-B0D5-759CBD56F1AB}" type="datetimeFigureOut">
               <a:rPr lang="zh-CN" altLang="en-US" smtClean="0"/>
-              <a:t>2022/9/14</a:t>
+              <a:t>2022/9/15</a:t>
             </a:fld>
             <a:endParaRPr lang="zh-CN" altLang="en-US"/>
           </a:p>
@@ -2427,7 +2427,7 @@
           <a:p>
             <a:fld id="{FC19A4FA-3D9A-4114-B0D5-759CBD56F1AB}" type="datetimeFigureOut">
               <a:rPr lang="zh-CN" altLang="en-US" smtClean="0"/>
-              <a:t>2022/9/14</a:t>
+              <a:t>2022/9/15</a:t>
             </a:fld>
             <a:endParaRPr lang="zh-CN" altLang="en-US"/>
           </a:p>
@@ -2567,7 +2567,7 @@
           <a:p>
             <a:fld id="{FC19A4FA-3D9A-4114-B0D5-759CBD56F1AB}" type="datetimeFigureOut">
               <a:rPr lang="zh-CN" altLang="en-US" smtClean="0"/>
-              <a:t>2022/9/14</a:t>
+              <a:t>2022/9/15</a:t>
             </a:fld>
             <a:endParaRPr lang="zh-CN" altLang="en-US"/>
           </a:p>
@@ -2657,7 +2657,7 @@
           <a:p>
             <a:fld id="{FC19A4FA-3D9A-4114-B0D5-759CBD56F1AB}" type="datetimeFigureOut">
               <a:rPr lang="zh-CN" altLang="en-US" smtClean="0"/>
-              <a:t>2022/9/14</a:t>
+              <a:t>2022/9/15</a:t>
             </a:fld>
             <a:endParaRPr lang="zh-CN" altLang="en-US"/>
           </a:p>
@@ -2927,7 +2927,7 @@
           <a:p>
             <a:fld id="{FC19A4FA-3D9A-4114-B0D5-759CBD56F1AB}" type="datetimeFigureOut">
               <a:rPr lang="zh-CN" altLang="en-US" smtClean="0"/>
-              <a:t>2022/9/14</a:t>
+              <a:t>2022/9/15</a:t>
             </a:fld>
             <a:endParaRPr lang="zh-CN" altLang="en-US"/>
           </a:p>
@@ -3174,7 +3174,7 @@
           <a:p>
             <a:fld id="{FC19A4FA-3D9A-4114-B0D5-759CBD56F1AB}" type="datetimeFigureOut">
               <a:rPr lang="zh-CN" altLang="en-US" smtClean="0"/>
-              <a:t>2022/9/14</a:t>
+              <a:t>2022/9/15</a:t>
             </a:fld>
             <a:endParaRPr lang="zh-CN" altLang="en-US"/>
           </a:p>
@@ -3380,7 +3380,7 @@
           <a:p>
             <a:fld id="{FC19A4FA-3D9A-4114-B0D5-759CBD56F1AB}" type="datetimeFigureOut">
               <a:rPr lang="zh-CN" altLang="en-US" smtClean="0"/>
-              <a:t>2022/9/14</a:t>
+              <a:t>2022/9/15</a:t>
             </a:fld>
             <a:endParaRPr lang="zh-CN" altLang="en-US"/>
           </a:p>
@@ -3965,7 +3965,7 @@
           <a:graphicData uri="http://schemas.openxmlformats.org/presentationml/2006/ole">
             <mc:AlternateContent xmlns:mc="http://schemas.openxmlformats.org/markup-compatibility/2006">
               <mc:Choice xmlns:v="urn:schemas-microsoft-com:vml" Requires="v">
-                <p:oleObj spid="_x0000_s1035" name="Image" r:id="rId4" imgW="6848475" imgH="6705600" progId="Photoshop.Image.13">
+                <p:oleObj spid="_x0000_s1037" name="Image" r:id="rId4" imgW="6848475" imgH="6705600" progId="Photoshop.Image.13">
                   <p:embed/>
                 </p:oleObj>
               </mc:Choice>
@@ -4653,7 +4653,7 @@
           <a:graphicData uri="http://schemas.openxmlformats.org/presentationml/2006/ole">
             <mc:AlternateContent xmlns:mc="http://schemas.openxmlformats.org/markup-compatibility/2006">
               <mc:Choice xmlns:v="urn:schemas-microsoft-com:vml" Requires="v">
-                <p:oleObj spid="_x0000_s2059" name="Image" r:id="rId4" imgW="7143750" imgH="5819775" progId="Photoshop.Image.13">
+                <p:oleObj spid="_x0000_s2061" name="Image" r:id="rId4" imgW="7143750" imgH="5819775" progId="Photoshop.Image.13">
                   <p:embed/>
                 </p:oleObj>
               </mc:Choice>
@@ -5348,7 +5348,7 @@
           <a:graphicData uri="http://schemas.openxmlformats.org/presentationml/2006/ole">
             <mc:AlternateContent xmlns:mc="http://schemas.openxmlformats.org/markup-compatibility/2006">
               <mc:Choice xmlns:v="urn:schemas-microsoft-com:vml" Requires="v">
-                <p:oleObj spid="_x0000_s3083" name="Image" r:id="rId3" imgW="7029450" imgH="7848600" progId="Photoshop.Image.13">
+                <p:oleObj spid="_x0000_s3085" name="Image" r:id="rId3" imgW="7029450" imgH="7848600" progId="Photoshop.Image.13">
                   <p:embed/>
                 </p:oleObj>
               </mc:Choice>
@@ -7338,8 +7338,23 @@
               <a:rPr lang="zh-CN" altLang="en-US" sz="1400" dirty="0">
                 <a:latin typeface="Courier" pitchFamily="2" charset="0"/>
               </a:rPr>
-              <a:t>    float a = 0.1;</a:t>
-            </a:r>
+              <a:t>    float a = 0.1</a:t>
+            </a:r>
+            <a:r>
+              <a:rPr lang="en-US" altLang="zh-CN" sz="1400">
+                <a:latin typeface="Courier" pitchFamily="2" charset="0"/>
+              </a:rPr>
+              <a:t>f</a:t>
+            </a:r>
+            <a:r>
+              <a:rPr lang="zh-CN" altLang="en-US" sz="1400">
+                <a:latin typeface="Courier" pitchFamily="2" charset="0"/>
+              </a:rPr>
+              <a:t>;</a:t>
+            </a:r>
+            <a:endParaRPr lang="zh-CN" altLang="en-US" sz="1400" dirty="0">
+              <a:latin typeface="Courier" pitchFamily="2" charset="0"/>
+            </a:endParaRPr>
           </a:p>
           <a:p>
             <a:r>
@@ -7567,7 +7582,7 @@
               <a:buChar char="•"/>
             </a:pPr>
             <a:r>
-              <a:rPr lang="en-US" altLang="zh-CN">
+              <a:rPr lang="en-US" altLang="zh-CN" dirty="0">
                 <a:sym typeface="+mn-ea"/>
               </a:rPr>
               <a:t>Commonly used data types (integers, floats, ...).</a:t>
@@ -7579,7 +7594,7 @@
               <a:buChar char="•"/>
             </a:pPr>
             <a:r>
-              <a:rPr lang="en-US" altLang="zh-CN">
+              <a:rPr lang="en-US" altLang="zh-CN" dirty="0">
                 <a:sym typeface="+mn-ea"/>
               </a:rPr>
               <a:t>Overflow</a:t>
@@ -7591,12 +7606,12 @@
               <a:buChar char="•"/>
             </a:pPr>
             <a:r>
-              <a:rPr lang="en-US" altLang="zh-CN">
+              <a:rPr lang="en-US" altLang="zh-CN" dirty="0">
                 <a:sym typeface="+mn-ea"/>
               </a:rPr>
               <a:t>Test integer range</a:t>
             </a:r>
-            <a:endParaRPr lang="en-US" altLang="zh-CN"/>
+            <a:endParaRPr lang="en-US" altLang="zh-CN" dirty="0"/>
           </a:p>
           <a:p>
             <a:pPr marL="285750" indent="-285750">
@@ -7604,12 +7619,12 @@
               <a:buChar char="•"/>
             </a:pPr>
             <a:r>
-              <a:rPr lang="en-US" altLang="zh-CN">
+              <a:rPr lang="en-US" altLang="zh-CN" dirty="0">
                 <a:sym typeface="+mn-ea"/>
               </a:rPr>
               <a:t>Conversion between char and integer</a:t>
             </a:r>
-            <a:endParaRPr lang="en-US" altLang="zh-CN"/>
+            <a:endParaRPr lang="en-US" altLang="zh-CN" dirty="0"/>
           </a:p>
           <a:p>
             <a:pPr marL="285750" indent="-285750">
@@ -7617,15 +7632,15 @@
               <a:buChar char="•"/>
             </a:pPr>
             <a:r>
-              <a:rPr lang="en-US" altLang="zh-CN">
+              <a:rPr lang="en-US" altLang="zh-CN" dirty="0">
                 <a:sym typeface="+mn-ea"/>
               </a:rPr>
               <a:t>Test float number precision</a:t>
             </a:r>
-            <a:endParaRPr lang="en-US" altLang="zh-CN"/>
-          </a:p>
-          <a:p>
-            <a:endParaRPr lang="zh-CN" altLang="en-US"/>
+            <a:endParaRPr lang="en-US" altLang="zh-CN" dirty="0"/>
+          </a:p>
+          <a:p>
+            <a:endParaRPr lang="zh-CN" altLang="en-US" dirty="0"/>
           </a:p>
         </p:txBody>
       </p:sp>
@@ -7775,63 +7790,113 @@
           <a:lstStyle/>
           <a:p>
             <a:r>
+              <a:rPr dirty="0"/>
               <a:t>#include &lt;iostream&gt;</a:t>
             </a:r>
           </a:p>
           <a:p>
-            <a:endParaRPr/>
-          </a:p>
-          <a:p>
-            <a:r>
-              <a:t>using std::cout;</a:t>
-            </a:r>
-          </a:p>
-          <a:p>
-            <a:r>
-              <a:t>using std::endl;</a:t>
-            </a:r>
-          </a:p>
-          <a:p>
-            <a:endParaRPr/>
-          </a:p>
-          <a:p>
-            <a:r>
+            <a:endParaRPr dirty="0"/>
+          </a:p>
+          <a:p>
+            <a:r>
+              <a:rPr dirty="0"/>
+              <a:t>using std::</a:t>
+            </a:r>
+            <a:r>
+              <a:rPr dirty="0" err="1"/>
+              <a:t>cout</a:t>
+            </a:r>
+            <a:r>
+              <a:rPr dirty="0"/>
+              <a:t>;</a:t>
+            </a:r>
+          </a:p>
+          <a:p>
+            <a:r>
+              <a:rPr dirty="0"/>
+              <a:t>using std::</a:t>
+            </a:r>
+            <a:r>
+              <a:rPr dirty="0" err="1"/>
+              <a:t>endl</a:t>
+            </a:r>
+            <a:r>
+              <a:rPr dirty="0"/>
+              <a:t>;</a:t>
+            </a:r>
+          </a:p>
+          <a:p>
+            <a:endParaRPr dirty="0"/>
+          </a:p>
+          <a:p>
+            <a:r>
+              <a:rPr dirty="0"/>
               <a:t>int main() {</a:t>
             </a:r>
           </a:p>
           <a:p>
             <a:r>
+              <a:rPr dirty="0"/>
               <a:t>    int a = 1234567890;</a:t>
             </a:r>
           </a:p>
           <a:p>
             <a:r>
+              <a:rPr dirty="0"/>
               <a:t>    int b = 1234567890;</a:t>
             </a:r>
           </a:p>
           <a:p>
             <a:r>
-              <a:t>    int sum = a+b;</a:t>
-            </a:r>
-          </a:p>
-          <a:p>
-            <a:endParaRPr/>
-          </a:p>
-          <a:p>
-            <a:r>
-              <a:t>    cout&lt;&lt;a&lt;&lt;" + "&lt;&lt;b&lt;&lt;" = "&lt;&lt;sum&lt;&lt;endl;</a:t>
-            </a:r>
-          </a:p>
-          <a:p>
-            <a:endParaRPr/>
-          </a:p>
-          <a:p>
-            <a:r>
+              <a:rPr dirty="0"/>
+              <a:t>    int sum = </a:t>
+            </a:r>
+            <a:r>
+              <a:rPr dirty="0" err="1"/>
+              <a:t>a+b</a:t>
+            </a:r>
+            <a:r>
+              <a:rPr dirty="0"/>
+              <a:t>;</a:t>
+            </a:r>
+          </a:p>
+          <a:p>
+            <a:endParaRPr dirty="0"/>
+          </a:p>
+          <a:p>
+            <a:r>
+              <a:rPr dirty="0"/>
+              <a:t>    </a:t>
+            </a:r>
+            <a:r>
+              <a:rPr dirty="0" err="1"/>
+              <a:t>cout</a:t>
+            </a:r>
+            <a:r>
+              <a:rPr dirty="0"/>
+              <a:t>&lt;&lt;a&lt;&lt;" + "&lt;&lt;b&lt;&lt;" = "&lt;&lt;sum&lt;&lt;</a:t>
+            </a:r>
+            <a:r>
+              <a:rPr dirty="0" err="1"/>
+              <a:t>endl</a:t>
+            </a:r>
+            <a:r>
+              <a:rPr dirty="0"/>
+              <a:t>;</a:t>
+            </a:r>
+          </a:p>
+          <a:p>
+            <a:endParaRPr dirty="0"/>
+          </a:p>
+          <a:p>
+            <a:r>
+              <a:rPr dirty="0"/>
               <a:t>return 0;</a:t>
             </a:r>
           </a:p>
           <a:p>
             <a:r>
+              <a:rPr dirty="0"/>
               <a:t>}</a:t>
             </a:r>
           </a:p>
@@ -8044,49 +8109,49 @@
           <a:lstStyle/>
           <a:p>
             <a:r>
-              <a:rPr lang="zh-CN" altLang="en-US">
+              <a:rPr lang="zh-CN" altLang="en-US" dirty="0">
                 <a:sym typeface="+mn-ea"/>
               </a:rPr>
               <a:t>#include &lt;iostream&gt;</a:t>
             </a:r>
-            <a:endParaRPr lang="zh-CN" altLang="en-US"/>
-          </a:p>
-          <a:p>
-            <a:endParaRPr lang="zh-CN" altLang="en-US"/>
-          </a:p>
-          <a:p>
-            <a:r>
-              <a:rPr lang="zh-CN" altLang="en-US">
+            <a:endParaRPr lang="zh-CN" altLang="en-US" dirty="0"/>
+          </a:p>
+          <a:p>
+            <a:endParaRPr lang="zh-CN" altLang="en-US" dirty="0"/>
+          </a:p>
+          <a:p>
+            <a:r>
+              <a:rPr lang="zh-CN" altLang="en-US" dirty="0">
                 <a:sym typeface="+mn-ea"/>
               </a:rPr>
               <a:t>using std::cout;</a:t>
             </a:r>
-            <a:endParaRPr lang="zh-CN" altLang="en-US"/>
-          </a:p>
-          <a:p>
-            <a:r>
-              <a:rPr lang="zh-CN" altLang="en-US">
+            <a:endParaRPr lang="zh-CN" altLang="en-US" dirty="0"/>
+          </a:p>
+          <a:p>
+            <a:r>
+              <a:rPr lang="zh-CN" altLang="en-US" dirty="0">
                 <a:sym typeface="+mn-ea"/>
               </a:rPr>
               <a:t>using std::endl;</a:t>
             </a:r>
-            <a:endParaRPr lang="zh-CN" altLang="en-US"/>
-          </a:p>
-          <a:p>
-            <a:endParaRPr lang="zh-CN" altLang="en-US"/>
-          </a:p>
-          <a:p>
-            <a:r>
-              <a:rPr lang="zh-CN" altLang="en-US">
+            <a:endParaRPr lang="zh-CN" altLang="en-US" dirty="0"/>
+          </a:p>
+          <a:p>
+            <a:endParaRPr lang="zh-CN" altLang="en-US" dirty="0"/>
+          </a:p>
+          <a:p>
+            <a:r>
+              <a:rPr lang="zh-CN" altLang="en-US" dirty="0">
                 <a:sym typeface="+mn-ea"/>
               </a:rPr>
               <a:t>int main() {</a:t>
             </a:r>
-            <a:endParaRPr lang="zh-CN" altLang="en-US"/>
-          </a:p>
-          <a:p>
-            <a:r>
-              <a:rPr>
+            <a:endParaRPr lang="zh-CN" altLang="en-US" dirty="0"/>
+          </a:p>
+          <a:p>
+            <a:r>
+              <a:rPr dirty="0">
                 <a:sym typeface="+mn-ea"/>
               </a:rPr>
               <a:t>    float a = 1234567.0;</a:t>
@@ -8094,7 +8159,7 @@
           </a:p>
           <a:p>
             <a:r>
-              <a:rPr>
+              <a:rPr dirty="0">
                 <a:sym typeface="+mn-ea"/>
               </a:rPr>
               <a:t>    float b = 1.0;</a:t>
@@ -8102,41 +8167,53 @@
           </a:p>
           <a:p>
             <a:r>
-              <a:rPr>
+              <a:rPr dirty="0">
                 <a:sym typeface="+mn-ea"/>
               </a:rPr>
-              <a:t>    float sum = a+b;</a:t>
-            </a:r>
-          </a:p>
-          <a:p>
-            <a:endParaRPr>
+              <a:t>    float sum = </a:t>
+            </a:r>
+            <a:r>
+              <a:rPr dirty="0" err="1">
+                <a:sym typeface="+mn-ea"/>
+              </a:rPr>
+              <a:t>a+b</a:t>
+            </a:r>
+            <a:r>
+              <a:rPr dirty="0">
+                <a:sym typeface="+mn-ea"/>
+              </a:rPr>
+              <a:t>;</a:t>
+            </a:r>
+          </a:p>
+          <a:p>
+            <a:endParaRPr dirty="0">
               <a:sym typeface="+mn-ea"/>
             </a:endParaRPr>
           </a:p>
           <a:p>
             <a:r>
-              <a:rPr lang="zh-CN" altLang="en-US">
+              <a:rPr lang="zh-CN" altLang="en-US" dirty="0">
                 <a:sym typeface="+mn-ea"/>
               </a:rPr>
               <a:t>    cout&lt;&lt;a&lt;&lt;" + "&lt;&lt;b&lt;&lt;" = "&lt;&lt;sum&lt;&lt;endl;</a:t>
             </a:r>
-            <a:endParaRPr lang="zh-CN" altLang="en-US"/>
-          </a:p>
-          <a:p>
-            <a:endParaRPr lang="zh-CN" altLang="en-US"/>
-          </a:p>
-          <a:p>
-            <a:r>
-              <a:rPr lang="zh-CN" altLang="en-US">
+            <a:endParaRPr lang="zh-CN" altLang="en-US" dirty="0"/>
+          </a:p>
+          <a:p>
+            <a:endParaRPr lang="zh-CN" altLang="en-US" dirty="0"/>
+          </a:p>
+          <a:p>
+            <a:r>
+              <a:rPr lang="zh-CN" altLang="en-US" dirty="0">
                 <a:sym typeface="+mn-ea"/>
               </a:rPr>
               <a:t>return 0;</a:t>
             </a:r>
-            <a:endParaRPr lang="zh-CN" altLang="en-US"/>
-          </a:p>
-          <a:p>
-            <a:r>
-              <a:rPr lang="zh-CN" altLang="en-US">
+            <a:endParaRPr lang="zh-CN" altLang="en-US" dirty="0"/>
+          </a:p>
+          <a:p>
+            <a:r>
+              <a:rPr lang="zh-CN" altLang="en-US" dirty="0">
                 <a:sym typeface="+mn-ea"/>
               </a:rPr>
               <a:t>}</a:t>
@@ -8430,52 +8507,52 @@
           <a:lstStyle/>
           <a:p>
             <a:r>
-              <a:rPr lang="zh-CN" altLang="en-US"/>
+              <a:rPr lang="zh-CN" altLang="en-US" dirty="0"/>
               <a:t>#include &lt;cstdio&gt;</a:t>
             </a:r>
           </a:p>
           <a:p>
-            <a:endParaRPr lang="zh-CN" altLang="en-US"/>
-          </a:p>
-          <a:p>
-            <a:r>
-              <a:rPr lang="zh-CN" altLang="en-US"/>
+            <a:endParaRPr lang="zh-CN" altLang="en-US" dirty="0"/>
+          </a:p>
+          <a:p>
+            <a:r>
+              <a:rPr lang="zh-CN" altLang="en-US" dirty="0"/>
               <a:t>int main() {</a:t>
             </a:r>
           </a:p>
           <a:p>
             <a:r>
-              <a:rPr lang="zh-CN" altLang="en-US"/>
+              <a:rPr lang="zh-CN" altLang="en-US" dirty="0"/>
               <a:t>    char c = 'C';</a:t>
             </a:r>
           </a:p>
           <a:p>
             <a:r>
-              <a:rPr lang="zh-CN" altLang="en-US"/>
+              <a:rPr lang="zh-CN" altLang="en-US" dirty="0"/>
               <a:t>    int i = c;</a:t>
             </a:r>
           </a:p>
           <a:p>
-            <a:endParaRPr lang="zh-CN" altLang="en-US"/>
-          </a:p>
-          <a:p>
-            <a:r>
-              <a:rPr lang="zh-CN" altLang="en-US"/>
+            <a:endParaRPr lang="zh-CN" altLang="en-US" dirty="0"/>
+          </a:p>
+          <a:p>
+            <a:r>
+              <a:rPr lang="zh-CN" altLang="en-US" dirty="0"/>
               <a:t>    printf("Convert '%c' to integer: %d\n", c, i );</a:t>
             </a:r>
           </a:p>
           <a:p>
-            <a:endParaRPr lang="zh-CN" altLang="en-US"/>
-          </a:p>
-          <a:p>
-            <a:r>
-              <a:rPr lang="zh-CN" altLang="en-US"/>
+            <a:endParaRPr lang="zh-CN" altLang="en-US" dirty="0"/>
+          </a:p>
+          <a:p>
+            <a:r>
+              <a:rPr lang="zh-CN" altLang="en-US" dirty="0"/>
               <a:t>return 0;</a:t>
             </a:r>
           </a:p>
           <a:p>
             <a:r>
-              <a:rPr lang="zh-CN" altLang="en-US"/>
+              <a:rPr lang="zh-CN" altLang="en-US" dirty="0"/>
               <a:t>}</a:t>
             </a:r>
           </a:p>
@@ -8758,70 +8835,78 @@
           <a:lstStyle/>
           <a:p>
             <a:r>
-              <a:rPr lang="zh-CN" altLang="en-US"/>
+              <a:rPr lang="zh-CN" altLang="en-US" dirty="0"/>
               <a:t>#include &lt;iostream&gt;</a:t>
             </a:r>
           </a:p>
           <a:p>
             <a:r>
-              <a:rPr lang="zh-CN" altLang="en-US"/>
+              <a:rPr lang="zh-CN" altLang="en-US" dirty="0"/>
               <a:t>using std::cout;</a:t>
             </a:r>
           </a:p>
           <a:p>
             <a:r>
-              <a:rPr lang="zh-CN" altLang="en-US"/>
+              <a:rPr lang="zh-CN" altLang="en-US" dirty="0"/>
               <a:t>using std::endl;</a:t>
             </a:r>
           </a:p>
           <a:p>
-            <a:endParaRPr lang="zh-CN" altLang="en-US"/>
-          </a:p>
-          <a:p>
-            <a:r>
-              <a:rPr lang="zh-CN" altLang="en-US"/>
+            <a:endParaRPr lang="zh-CN" altLang="en-US" dirty="0"/>
+          </a:p>
+          <a:p>
+            <a:r>
+              <a:rPr lang="zh-CN" altLang="en-US" dirty="0"/>
               <a:t>int main() {</a:t>
             </a:r>
           </a:p>
           <a:p>
             <a:r>
-              <a:rPr lang="zh-CN" altLang="en-US"/>
-              <a:t>    float a = 0.1;</a:t>
-            </a:r>
-          </a:p>
-          <a:p>
-            <a:r>
-              <a:rPr lang="zh-CN" altLang="en-US"/>
+              <a:rPr lang="zh-CN" altLang="en-US" dirty="0"/>
+              <a:t>    float a = 0.1</a:t>
+            </a:r>
+            <a:r>
+              <a:rPr lang="en-US" altLang="zh-CN" dirty="0"/>
+              <a:t>f</a:t>
+            </a:r>
+            <a:r>
+              <a:rPr lang="zh-CN" altLang="en-US" dirty="0"/>
+              <a:t>;</a:t>
+            </a:r>
+          </a:p>
+          <a:p>
+            <a:r>
+              <a:rPr lang="zh-CN" altLang="en-US" dirty="0"/>
               <a:t>    float sum = a+a+a+a+a+a+a+a+a+a;</a:t>
             </a:r>
           </a:p>
           <a:p>
-            <a:endParaRPr lang="zh-CN" altLang="en-US"/>
-          </a:p>
-          <a:p>
-            <a:r>
-              <a:rPr lang="zh-CN" altLang="en-US"/>
+            <a:endParaRPr lang="zh-CN" altLang="en-US" dirty="0"/>
+          </a:p>
+          <a:p>
+            <a:r>
+              <a:rPr lang="zh-CN" altLang="en-US" dirty="0"/>
               <a:t>    cout&lt;&lt;"sum: "&lt;&lt;sum&lt;&lt;endl;</a:t>
             </a:r>
           </a:p>
           <a:p>
             <a:r>
-              <a:rPr lang="zh-CN" altLang="en-US"/>
+              <a:rPr lang="zh-CN" altLang="en-US" dirty="0"/>
               <a:t>    cout&lt;&lt;"sum equals to 1? "&lt;&lt;(sum==1.0)&lt;&lt;endl;</a:t>
             </a:r>
           </a:p>
           <a:p>
-            <a:endParaRPr lang="zh-CN" altLang="en-US"/>
-          </a:p>
-          <a:p>
-            <a:r>
-              <a:rPr lang="zh-CN" altLang="en-US"/>
+            <a:endParaRPr lang="zh-CN" altLang="en-US" dirty="0"/>
+          </a:p>
+          <a:p>
+            <a:r>
+              <a:rPr lang="zh-CN" altLang="en-US" dirty="0"/>
               <a:t>return 0;</a:t>
             </a:r>
           </a:p>
           <a:p>
             <a:r>
-              <a:rPr lang="zh-CN" altLang="en-US"/>
+              <a:rPr lang="zh-CN" altLang="en-US" dirty="0"/>
               <a:t>}</a:t>
             </a:r>
           </a:p>

--- a/week02/Lab02.pptx
+++ b/week02/Lab02.pptx
@@ -10471,7 +10471,7 @@
             </a:r>
             <a:r>
               <a:rPr lang="en-US" altLang="zh-CN" dirty="0" err="1"/>
-              <a:t>cout.setf</a:t>
+              <a:t>cout.unsetf</a:t>
             </a:r>
             <a:r>
               <a:rPr lang="en-US" altLang="zh-CN" dirty="0"/>

--- a/week02/Lab02.pptx
+++ b/week02/Lab02.pptx
@@ -5023,11 +5023,18 @@
           </a:p>
           <a:p>
             <a:r>
+              <a:rPr lang="en-US" altLang="zh-CN" sz="1400" b="0">
+                <a:effectLst/>
+                <a:latin typeface="Consolas" panose="020B0609020204030204" pitchFamily="49" charset="0"/>
+              </a:rPr>
+              <a:t>    signed char </a:t>
+            </a:r>
+            <a:r>
               <a:rPr lang="en-US" altLang="zh-CN" sz="1400" b="0" dirty="0">
                 <a:effectLst/>
                 <a:latin typeface="Consolas" panose="020B0609020204030204" pitchFamily="49" charset="0"/>
               </a:rPr>
-              <a:t>    char a = 127;</a:t>
+              <a:t>a = 127;</a:t>
             </a:r>
           </a:p>
           <a:p>
